--- a/courses/oopjava/lecture5.pptx
+++ b/courses/oopjava/lecture5.pptx
@@ -4874,11 +4874,7 @@
           <a:p>
             <a:r>
               <a:rPr lang="en-US" dirty="0" smtClean="0"/>
-              <a:t>For example: </a:t>
-            </a:r>
-            <a:r>
-              <a:rPr lang="en-US" dirty="0" smtClean="0"/>
-              <a:t>the person Obama can play father role and president role and husband role at </a:t>
+              <a:t>For example: the person Obama can play father role and president role and husband role at </a:t>
             </a:r>
             <a:r>
               <a:rPr lang="en-US" smtClean="0"/>
@@ -6500,12 +6496,33 @@
             </a:pPr>
             <a:r>
               <a:rPr lang="en-US" altLang="x-none" dirty="0" smtClean="0"/>
-              <a:t>fields </a:t>
+              <a:t>field </a:t>
             </a:r>
             <a:r>
               <a:rPr lang="en-US" altLang="x-none" dirty="0"/>
-              <a:t>= instance variables = attributes = properties</a:t>
-            </a:r>
+              <a:t>= instance </a:t>
+            </a:r>
+            <a:r>
+              <a:rPr lang="en-US" altLang="x-none" dirty="0" smtClean="0"/>
+              <a:t>variable </a:t>
+            </a:r>
+            <a:r>
+              <a:rPr lang="en-US" altLang="x-none" dirty="0"/>
+              <a:t>= </a:t>
+            </a:r>
+            <a:r>
+              <a:rPr lang="en-US" altLang="x-none" dirty="0" smtClean="0"/>
+              <a:t>attribute </a:t>
+            </a:r>
+            <a:r>
+              <a:rPr lang="en-US" altLang="x-none" dirty="0"/>
+              <a:t>= </a:t>
+            </a:r>
+            <a:r>
+              <a:rPr lang="en-US" altLang="x-none" dirty="0" smtClean="0"/>
+              <a:t>property = state</a:t>
+            </a:r>
+            <a:endParaRPr lang="en-US" altLang="x-none" dirty="0"/>
           </a:p>
           <a:p>
             <a:pPr>
@@ -6513,8 +6530,21 @@
             </a:pPr>
             <a:r>
               <a:rPr lang="en-US" altLang="x-none" dirty="0"/>
-              <a:t>method = function = operations = behaviors</a:t>
-            </a:r>
+              <a:t>method = function = </a:t>
+            </a:r>
+            <a:r>
+              <a:rPr lang="en-US" altLang="x-none" dirty="0" smtClean="0"/>
+              <a:t>operation </a:t>
+            </a:r>
+            <a:r>
+              <a:rPr lang="en-US" altLang="x-none" dirty="0"/>
+              <a:t>= </a:t>
+            </a:r>
+            <a:r>
+              <a:rPr lang="en-US" altLang="x-none" dirty="0" smtClean="0"/>
+              <a:t>behavior</a:t>
+            </a:r>
+            <a:endParaRPr lang="en-US" altLang="x-none" dirty="0"/>
           </a:p>
           <a:p>
             <a:pPr>

--- a/courses/oopjava/lecture5.pptx
+++ b/courses/oopjava/lecture5.pptx
@@ -5,15 +5,24 @@
     <p:sldMasterId id="2147483816" r:id="rId1"/>
   </p:sldMasterIdLst>
   <p:notesMasterIdLst>
-    <p:notesMasterId r:id="rId5"/>
+    <p:notesMasterId r:id="rId14"/>
   </p:notesMasterIdLst>
   <p:handoutMasterIdLst>
-    <p:handoutMasterId r:id="rId6"/>
+    <p:handoutMasterId r:id="rId15"/>
   </p:handoutMasterIdLst>
   <p:sldIdLst>
     <p:sldId id="256" r:id="rId2"/>
     <p:sldId id="295" r:id="rId3"/>
-    <p:sldId id="344" r:id="rId4"/>
+    <p:sldId id="345" r:id="rId4"/>
+    <p:sldId id="346" r:id="rId5"/>
+    <p:sldId id="355" r:id="rId6"/>
+    <p:sldId id="349" r:id="rId7"/>
+    <p:sldId id="350" r:id="rId8"/>
+    <p:sldId id="351" r:id="rId9"/>
+    <p:sldId id="352" r:id="rId10"/>
+    <p:sldId id="353" r:id="rId11"/>
+    <p:sldId id="354" r:id="rId12"/>
+    <p:sldId id="344" r:id="rId13"/>
   </p:sldIdLst>
   <p:sldSz cx="9144000" cy="6858000" type="screen4x3"/>
   <p:notesSz cx="6858000" cy="9144000"/>
@@ -244,7 +253,7 @@
             <a:fld id="{CB44B6B1-5441-9644-AE1C-BB7EA5DBA264}" type="datetimeFigureOut">
               <a:rPr lang="en-US" smtClean="0"/>
               <a:pPr/>
-              <a:t>10/10/20</a:t>
+              <a:t>10/17/20</a:t>
             </a:fld>
             <a:endParaRPr lang="en-US"/>
           </a:p>
@@ -412,7 +421,7 @@
             <a:fld id="{41878819-472C-A14B-95BF-39C94BA106B2}" type="datetimeFigureOut">
               <a:rPr lang="en-US" smtClean="0"/>
               <a:pPr/>
-              <a:t>10/10/20</a:t>
+              <a:t>10/17/20</a:t>
             </a:fld>
             <a:endParaRPr lang="en-US"/>
           </a:p>
@@ -4605,6 +4614,591 @@
 </p:sld>
 </file>
 
+<file path=ppt/slides/slide10.xml><?xml version="1.0" encoding="utf-8"?>
+<p:sld xmlns:a="http://schemas.openxmlformats.org/drawingml/2006/main" xmlns:r="http://schemas.openxmlformats.org/officeDocument/2006/relationships" xmlns:p="http://schemas.openxmlformats.org/presentationml/2006/main">
+  <p:cSld>
+    <p:spTree>
+      <p:nvGrpSpPr>
+        <p:cNvPr id="1" name=""/>
+        <p:cNvGrpSpPr/>
+        <p:nvPr/>
+      </p:nvGrpSpPr>
+      <p:grpSpPr>
+        <a:xfrm>
+          <a:off x="0" y="0"/>
+          <a:ext cx="0" cy="0"/>
+          <a:chOff x="0" y="0"/>
+          <a:chExt cx="0" cy="0"/>
+        </a:xfrm>
+      </p:grpSpPr>
+      <p:sp>
+        <p:nvSpPr>
+          <p:cNvPr id="2" name="Title 1">
+            <a:extLst>
+              <a:ext uri="{FF2B5EF4-FFF2-40B4-BE49-F238E27FC236}">
+                <a16:creationId xmlns:a16="http://schemas.microsoft.com/office/drawing/2014/main" id="{EE97AE41-0A57-9744-A8C2-08D396A2C1ED}"/>
+              </a:ext>
+            </a:extLst>
+          </p:cNvPr>
+          <p:cNvSpPr>
+            <a:spLocks noGrp="1"/>
+          </p:cNvSpPr>
+          <p:nvPr>
+            <p:ph type="title"/>
+          </p:nvPr>
+        </p:nvSpPr>
+        <p:spPr/>
+        <p:txBody>
+          <a:bodyPr/>
+          <a:lstStyle/>
+          <a:p>
+            <a:r>
+              <a:rPr lang="en-US" dirty="0"/>
+              <a:t>Static &amp; Dynamic Binding</a:t>
+            </a:r>
+            <a:endParaRPr lang="en-VN" dirty="0"/>
+          </a:p>
+        </p:txBody>
+      </p:sp>
+      <p:sp>
+        <p:nvSpPr>
+          <p:cNvPr id="3" name="Content Placeholder 2">
+            <a:extLst>
+              <a:ext uri="{FF2B5EF4-FFF2-40B4-BE49-F238E27FC236}">
+                <a16:creationId xmlns:a16="http://schemas.microsoft.com/office/drawing/2014/main" id="{BB7DC874-B10B-0444-96C4-49A741EE21EA}"/>
+              </a:ext>
+            </a:extLst>
+          </p:cNvPr>
+          <p:cNvSpPr>
+            <a:spLocks noGrp="1"/>
+          </p:cNvSpPr>
+          <p:nvPr>
+            <p:ph idx="1"/>
+          </p:nvPr>
+        </p:nvSpPr>
+        <p:spPr/>
+        <p:txBody>
+          <a:bodyPr/>
+          <a:lstStyle/>
+          <a:p>
+            <a:r>
+              <a:rPr lang="en-US" dirty="0"/>
+              <a:t>static binding: </a:t>
+            </a:r>
+          </a:p>
+          <a:p>
+            <a:pPr lvl="1"/>
+            <a:r>
+              <a:rPr lang="en-US" dirty="0"/>
+              <a:t>When type of the object is determined at compiled time(by the compiler), it is known as static binding.</a:t>
+            </a:r>
+          </a:p>
+          <a:p>
+            <a:pPr lvl="1"/>
+            <a:r>
+              <a:rPr lang="en-US" dirty="0"/>
+              <a:t>If there is any private, final or static method in a class, there is static binding.</a:t>
+            </a:r>
+          </a:p>
+          <a:p>
+            <a:r>
+              <a:rPr lang="en-US" dirty="0"/>
+              <a:t>Dynamic binding: When type of the object is determined at run-time, it is known as dynamic binding.</a:t>
+            </a:r>
+          </a:p>
+        </p:txBody>
+      </p:sp>
+      <p:sp>
+        <p:nvSpPr>
+          <p:cNvPr id="4" name="Footer Placeholder 3">
+            <a:extLst>
+              <a:ext uri="{FF2B5EF4-FFF2-40B4-BE49-F238E27FC236}">
+                <a16:creationId xmlns:a16="http://schemas.microsoft.com/office/drawing/2014/main" id="{8B879B02-E463-0C4D-B734-7E49048B95E1}"/>
+              </a:ext>
+            </a:extLst>
+          </p:cNvPr>
+          <p:cNvSpPr>
+            <a:spLocks noGrp="1"/>
+          </p:cNvSpPr>
+          <p:nvPr>
+            <p:ph type="ftr" sz="quarter" idx="10"/>
+          </p:nvPr>
+        </p:nvSpPr>
+        <p:spPr/>
+        <p:txBody>
+          <a:bodyPr/>
+          <a:lstStyle/>
+          <a:p>
+            <a:r>
+              <a:rPr lang="en-US"/>
+              <a:t>Lecture 6: Polymorphism</a:t>
+            </a:r>
+            <a:endParaRPr lang="en-US" dirty="0"/>
+          </a:p>
+        </p:txBody>
+      </p:sp>
+      <p:sp>
+        <p:nvSpPr>
+          <p:cNvPr id="5" name="Date Placeholder 4">
+            <a:extLst>
+              <a:ext uri="{FF2B5EF4-FFF2-40B4-BE49-F238E27FC236}">
+                <a16:creationId xmlns:a16="http://schemas.microsoft.com/office/drawing/2014/main" id="{F0BF7911-8150-E44A-8930-365D8530EC13}"/>
+              </a:ext>
+            </a:extLst>
+          </p:cNvPr>
+          <p:cNvSpPr>
+            <a:spLocks noGrp="1"/>
+          </p:cNvSpPr>
+          <p:nvPr>
+            <p:ph type="dt" sz="half" idx="11"/>
+          </p:nvPr>
+        </p:nvSpPr>
+        <p:spPr/>
+        <p:txBody>
+          <a:bodyPr/>
+          <a:lstStyle/>
+          <a:p>
+            <a:r>
+              <a:rPr lang="mr-IN"/>
+              <a:t>17/10/2020</a:t>
+            </a:r>
+            <a:endParaRPr lang="en-US" dirty="0"/>
+          </a:p>
+        </p:txBody>
+      </p:sp>
+      <p:sp>
+        <p:nvSpPr>
+          <p:cNvPr id="6" name="Slide Number Placeholder 5">
+            <a:extLst>
+              <a:ext uri="{FF2B5EF4-FFF2-40B4-BE49-F238E27FC236}">
+                <a16:creationId xmlns:a16="http://schemas.microsoft.com/office/drawing/2014/main" id="{B2B8FD61-D903-764E-936D-61E1104D40E6}"/>
+              </a:ext>
+            </a:extLst>
+          </p:cNvPr>
+          <p:cNvSpPr>
+            <a:spLocks noGrp="1"/>
+          </p:cNvSpPr>
+          <p:nvPr>
+            <p:ph type="sldNum" sz="quarter" idx="12"/>
+          </p:nvPr>
+        </p:nvSpPr>
+        <p:spPr/>
+        <p:txBody>
+          <a:bodyPr/>
+          <a:lstStyle/>
+          <a:p>
+            <a:fld id="{1D5CD492-2BC6-F348-9965-EC1D86DF57A8}" type="slidenum">
+              <a:rPr lang="en-US" smtClean="0"/>
+              <a:t>10</a:t>
+            </a:fld>
+            <a:endParaRPr lang="en-US"/>
+          </a:p>
+        </p:txBody>
+      </p:sp>
+    </p:spTree>
+    <p:extLst>
+      <p:ext uri="{BB962C8B-B14F-4D97-AF65-F5344CB8AC3E}">
+        <p14:creationId xmlns:p14="http://schemas.microsoft.com/office/powerpoint/2010/main" val="2019876400"/>
+      </p:ext>
+    </p:extLst>
+  </p:cSld>
+  <p:clrMapOvr>
+    <a:masterClrMapping/>
+  </p:clrMapOvr>
+  <p:transition spd="med">
+    <p:wipe dir="r"/>
+  </p:transition>
+</p:sld>
+</file>
+
+<file path=ppt/slides/slide11.xml><?xml version="1.0" encoding="utf-8"?>
+<p:sld xmlns:a="http://schemas.openxmlformats.org/drawingml/2006/main" xmlns:r="http://schemas.openxmlformats.org/officeDocument/2006/relationships" xmlns:p="http://schemas.openxmlformats.org/presentationml/2006/main">
+  <p:cSld>
+    <p:spTree>
+      <p:nvGrpSpPr>
+        <p:cNvPr id="1" name=""/>
+        <p:cNvGrpSpPr/>
+        <p:nvPr/>
+      </p:nvGrpSpPr>
+      <p:grpSpPr>
+        <a:xfrm>
+          <a:off x="0" y="0"/>
+          <a:ext cx="0" cy="0"/>
+          <a:chOff x="0" y="0"/>
+          <a:chExt cx="0" cy="0"/>
+        </a:xfrm>
+      </p:grpSpPr>
+      <p:sp>
+        <p:nvSpPr>
+          <p:cNvPr id="2" name="Title 1">
+            <a:extLst>
+              <a:ext uri="{FF2B5EF4-FFF2-40B4-BE49-F238E27FC236}">
+                <a16:creationId xmlns:a16="http://schemas.microsoft.com/office/drawing/2014/main" id="{878F9D51-1090-0B41-9AF1-80AFB0674CAE}"/>
+              </a:ext>
+            </a:extLst>
+          </p:cNvPr>
+          <p:cNvSpPr>
+            <a:spLocks noGrp="1"/>
+          </p:cNvSpPr>
+          <p:nvPr>
+            <p:ph type="title"/>
+          </p:nvPr>
+        </p:nvSpPr>
+        <p:spPr/>
+        <p:txBody>
+          <a:bodyPr/>
+          <a:lstStyle/>
+          <a:p>
+            <a:r>
+              <a:rPr lang="en-US" dirty="0" err="1"/>
+              <a:t>instanceof</a:t>
+            </a:r>
+            <a:r>
+              <a:rPr lang="en-US" dirty="0"/>
+              <a:t> operator</a:t>
+            </a:r>
+            <a:endParaRPr lang="en-VN" dirty="0"/>
+          </a:p>
+        </p:txBody>
+      </p:sp>
+      <p:sp>
+        <p:nvSpPr>
+          <p:cNvPr id="3" name="Content Placeholder 2">
+            <a:extLst>
+              <a:ext uri="{FF2B5EF4-FFF2-40B4-BE49-F238E27FC236}">
+                <a16:creationId xmlns:a16="http://schemas.microsoft.com/office/drawing/2014/main" id="{1EBCAEF2-3FFA-0B4D-8B33-B4EA8CF4891C}"/>
+              </a:ext>
+            </a:extLst>
+          </p:cNvPr>
+          <p:cNvSpPr>
+            <a:spLocks noGrp="1"/>
+          </p:cNvSpPr>
+          <p:nvPr>
+            <p:ph idx="1"/>
+          </p:nvPr>
+        </p:nvSpPr>
+        <p:spPr/>
+        <p:txBody>
+          <a:bodyPr/>
+          <a:lstStyle/>
+          <a:p>
+            <a:r>
+              <a:rPr lang="en-US" dirty="0"/>
+              <a:t>The </a:t>
+            </a:r>
+            <a:r>
+              <a:rPr lang="en-US" b="1" dirty="0"/>
+              <a:t>java </a:t>
+            </a:r>
+            <a:r>
+              <a:rPr lang="en-US" b="1" dirty="0" err="1"/>
+              <a:t>instanceof</a:t>
+            </a:r>
+            <a:r>
+              <a:rPr lang="en-US" b="1" dirty="0"/>
+              <a:t> operator</a:t>
+            </a:r>
+            <a:r>
+              <a:rPr lang="en-US" dirty="0"/>
+              <a:t> is used to test whether the object is an instance of the specified type (class or subclass or interface).</a:t>
+            </a:r>
+          </a:p>
+          <a:p>
+            <a:r>
+              <a:rPr lang="en-US" dirty="0"/>
+              <a:t>The </a:t>
+            </a:r>
+            <a:r>
+              <a:rPr lang="en-US" dirty="0" err="1"/>
+              <a:t>instanceof</a:t>
+            </a:r>
+            <a:r>
+              <a:rPr lang="en-US" dirty="0"/>
+              <a:t> in java is also known as type </a:t>
+            </a:r>
+            <a:r>
+              <a:rPr lang="en-US" i="1" dirty="0"/>
+              <a:t>comparison operator</a:t>
+            </a:r>
+            <a:r>
+              <a:rPr lang="en-US" dirty="0"/>
+              <a:t> because it compares the instance with type. It returns either true or false. If we apply the </a:t>
+            </a:r>
+            <a:r>
+              <a:rPr lang="en-US" dirty="0" err="1"/>
+              <a:t>instanceof</a:t>
+            </a:r>
+            <a:r>
+              <a:rPr lang="en-US" dirty="0"/>
+              <a:t> operator with any variable that has null value, it returns false.</a:t>
+            </a:r>
+          </a:p>
+        </p:txBody>
+      </p:sp>
+      <p:sp>
+        <p:nvSpPr>
+          <p:cNvPr id="4" name="Footer Placeholder 3">
+            <a:extLst>
+              <a:ext uri="{FF2B5EF4-FFF2-40B4-BE49-F238E27FC236}">
+                <a16:creationId xmlns:a16="http://schemas.microsoft.com/office/drawing/2014/main" id="{7FD40560-1EA6-9B4E-9276-E71245926D1E}"/>
+              </a:ext>
+            </a:extLst>
+          </p:cNvPr>
+          <p:cNvSpPr>
+            <a:spLocks noGrp="1"/>
+          </p:cNvSpPr>
+          <p:nvPr>
+            <p:ph type="ftr" sz="quarter" idx="10"/>
+          </p:nvPr>
+        </p:nvSpPr>
+        <p:spPr/>
+        <p:txBody>
+          <a:bodyPr/>
+          <a:lstStyle/>
+          <a:p>
+            <a:r>
+              <a:rPr lang="en-US"/>
+              <a:t>Lecture 6: Polymorphism</a:t>
+            </a:r>
+            <a:endParaRPr lang="en-US" dirty="0"/>
+          </a:p>
+        </p:txBody>
+      </p:sp>
+      <p:sp>
+        <p:nvSpPr>
+          <p:cNvPr id="5" name="Date Placeholder 4">
+            <a:extLst>
+              <a:ext uri="{FF2B5EF4-FFF2-40B4-BE49-F238E27FC236}">
+                <a16:creationId xmlns:a16="http://schemas.microsoft.com/office/drawing/2014/main" id="{86DD2157-755D-0E4D-9E12-B722331153CA}"/>
+              </a:ext>
+            </a:extLst>
+          </p:cNvPr>
+          <p:cNvSpPr>
+            <a:spLocks noGrp="1"/>
+          </p:cNvSpPr>
+          <p:nvPr>
+            <p:ph type="dt" sz="half" idx="11"/>
+          </p:nvPr>
+        </p:nvSpPr>
+        <p:spPr/>
+        <p:txBody>
+          <a:bodyPr/>
+          <a:lstStyle/>
+          <a:p>
+            <a:r>
+              <a:rPr lang="mr-IN"/>
+              <a:t>17/10/2020</a:t>
+            </a:r>
+            <a:endParaRPr lang="en-US" dirty="0"/>
+          </a:p>
+        </p:txBody>
+      </p:sp>
+      <p:sp>
+        <p:nvSpPr>
+          <p:cNvPr id="6" name="Slide Number Placeholder 5">
+            <a:extLst>
+              <a:ext uri="{FF2B5EF4-FFF2-40B4-BE49-F238E27FC236}">
+                <a16:creationId xmlns:a16="http://schemas.microsoft.com/office/drawing/2014/main" id="{7AC09407-8065-874F-8E03-9FF8D085BFF9}"/>
+              </a:ext>
+            </a:extLst>
+          </p:cNvPr>
+          <p:cNvSpPr>
+            <a:spLocks noGrp="1"/>
+          </p:cNvSpPr>
+          <p:nvPr>
+            <p:ph type="sldNum" sz="quarter" idx="12"/>
+          </p:nvPr>
+        </p:nvSpPr>
+        <p:spPr/>
+        <p:txBody>
+          <a:bodyPr/>
+          <a:lstStyle/>
+          <a:p>
+            <a:fld id="{1D5CD492-2BC6-F348-9965-EC1D86DF57A8}" type="slidenum">
+              <a:rPr lang="en-US" smtClean="0"/>
+              <a:t>11</a:t>
+            </a:fld>
+            <a:endParaRPr lang="en-US"/>
+          </a:p>
+        </p:txBody>
+      </p:sp>
+    </p:spTree>
+    <p:extLst>
+      <p:ext uri="{BB962C8B-B14F-4D97-AF65-F5344CB8AC3E}">
+        <p14:creationId xmlns:p14="http://schemas.microsoft.com/office/powerpoint/2010/main" val="2937126297"/>
+      </p:ext>
+    </p:extLst>
+  </p:cSld>
+  <p:clrMapOvr>
+    <a:masterClrMapping/>
+  </p:clrMapOvr>
+  <p:transition spd="med">
+    <p:wipe dir="r"/>
+  </p:transition>
+</p:sld>
+</file>
+
+<file path=ppt/slides/slide12.xml><?xml version="1.0" encoding="utf-8"?>
+<p:sld xmlns:a="http://schemas.openxmlformats.org/drawingml/2006/main" xmlns:r="http://schemas.openxmlformats.org/officeDocument/2006/relationships" xmlns:p="http://schemas.openxmlformats.org/presentationml/2006/main">
+  <p:cSld>
+    <p:spTree>
+      <p:nvGrpSpPr>
+        <p:cNvPr id="1" name=""/>
+        <p:cNvGrpSpPr/>
+        <p:nvPr/>
+      </p:nvGrpSpPr>
+      <p:grpSpPr>
+        <a:xfrm>
+          <a:off x="0" y="0"/>
+          <a:ext cx="0" cy="0"/>
+          <a:chOff x="0" y="0"/>
+          <a:chExt cx="0" cy="0"/>
+        </a:xfrm>
+      </p:grpSpPr>
+      <p:sp>
+        <p:nvSpPr>
+          <p:cNvPr id="2" name="Title 1"/>
+          <p:cNvSpPr>
+            <a:spLocks noGrp="1"/>
+          </p:cNvSpPr>
+          <p:nvPr>
+            <p:ph type="title"/>
+          </p:nvPr>
+        </p:nvSpPr>
+        <p:spPr/>
+        <p:txBody>
+          <a:bodyPr/>
+          <a:lstStyle/>
+          <a:p>
+            <a:r>
+              <a:rPr lang="en-US" dirty="0"/>
+              <a:t>Homework</a:t>
+            </a:r>
+          </a:p>
+        </p:txBody>
+      </p:sp>
+      <p:sp>
+        <p:nvSpPr>
+          <p:cNvPr id="3" name="Content Placeholder 2"/>
+          <p:cNvSpPr>
+            <a:spLocks noGrp="1"/>
+          </p:cNvSpPr>
+          <p:nvPr>
+            <p:ph idx="1"/>
+          </p:nvPr>
+        </p:nvSpPr>
+        <p:spPr/>
+        <p:txBody>
+          <a:bodyPr/>
+          <a:lstStyle/>
+          <a:p>
+            <a:pPr lvl="0"/>
+            <a:r>
+              <a:rPr lang="en-US" dirty="0"/>
+              <a:t>OOP Exercises (6.1 </a:t>
+            </a:r>
+            <a:r>
+              <a:rPr lang="en-US" dirty="0">
+                <a:sym typeface="Wingdings" pitchFamily="2" charset="2"/>
+              </a:rPr>
+              <a:t> 6.4)</a:t>
+            </a:r>
+          </a:p>
+          <a:p>
+            <a:pPr lvl="0"/>
+            <a:r>
+              <a:rPr lang="en-US" dirty="0">
+                <a:sym typeface="Wingdings" pitchFamily="2" charset="2"/>
+              </a:rPr>
+              <a:t>Assignment 1: submission deadline 1.11</a:t>
+            </a:r>
+          </a:p>
+        </p:txBody>
+      </p:sp>
+      <p:sp>
+        <p:nvSpPr>
+          <p:cNvPr id="7" name="Footer Placeholder 6"/>
+          <p:cNvSpPr>
+            <a:spLocks noGrp="1"/>
+          </p:cNvSpPr>
+          <p:nvPr>
+            <p:ph type="ftr" sz="quarter" idx="10"/>
+          </p:nvPr>
+        </p:nvSpPr>
+        <p:spPr/>
+        <p:txBody>
+          <a:bodyPr/>
+          <a:lstStyle/>
+          <a:p>
+            <a:r>
+              <a:rPr lang="en-US" dirty="0"/>
+              <a:t>Lecture 6: Polymorphism</a:t>
+            </a:r>
+          </a:p>
+        </p:txBody>
+      </p:sp>
+      <p:sp>
+        <p:nvSpPr>
+          <p:cNvPr id="8" name="Date Placeholder 7"/>
+          <p:cNvSpPr>
+            <a:spLocks noGrp="1"/>
+          </p:cNvSpPr>
+          <p:nvPr>
+            <p:ph type="dt" sz="half" idx="11"/>
+          </p:nvPr>
+        </p:nvSpPr>
+        <p:spPr/>
+        <p:txBody>
+          <a:bodyPr/>
+          <a:lstStyle/>
+          <a:p>
+            <a:r>
+              <a:rPr lang="en-GB" dirty="0"/>
+              <a:t>17/10/2020</a:t>
+            </a:r>
+            <a:endParaRPr lang="en-US" dirty="0"/>
+          </a:p>
+        </p:txBody>
+      </p:sp>
+      <p:sp>
+        <p:nvSpPr>
+          <p:cNvPr id="9" name="Slide Number Placeholder 8"/>
+          <p:cNvSpPr>
+            <a:spLocks noGrp="1"/>
+          </p:cNvSpPr>
+          <p:nvPr>
+            <p:ph type="sldNum" sz="quarter" idx="12"/>
+          </p:nvPr>
+        </p:nvSpPr>
+        <p:spPr/>
+        <p:txBody>
+          <a:bodyPr/>
+          <a:lstStyle/>
+          <a:p>
+            <a:fld id="{1D5CD492-2BC6-F348-9965-EC1D86DF57A8}" type="slidenum">
+              <a:rPr lang="en-US" smtClean="0"/>
+              <a:t>12</a:t>
+            </a:fld>
+            <a:endParaRPr lang="en-US"/>
+          </a:p>
+        </p:txBody>
+      </p:sp>
+    </p:spTree>
+    <p:extLst>
+      <p:ext uri="{BB962C8B-B14F-4D97-AF65-F5344CB8AC3E}">
+        <p14:creationId xmlns:p14="http://schemas.microsoft.com/office/powerpoint/2010/main" val="532993030"/>
+      </p:ext>
+    </p:extLst>
+  </p:cSld>
+  <p:clrMapOvr>
+    <a:masterClrMapping/>
+  </p:clrMapOvr>
+  <p:transition spd="med">
+    <p:wipe dir="r"/>
+  </p:transition>
+</p:sld>
+</file>
+
 <file path=ppt/slides/slide2.xml><?xml version="1.0" encoding="utf-8"?>
 <p:sld xmlns:a="http://schemas.openxmlformats.org/drawingml/2006/main" xmlns:r="http://schemas.openxmlformats.org/officeDocument/2006/relationships" xmlns:p="http://schemas.openxmlformats.org/presentationml/2006/main">
   <p:cSld>
@@ -4677,19 +5271,7 @@
           <a:p>
             <a:r>
               <a:rPr lang="en-US" sz="2200" dirty="0"/>
-              <a:t>Method Overriding</a:t>
-            </a:r>
-          </a:p>
-          <a:p>
-            <a:r>
-              <a:rPr lang="en-US" sz="2200" dirty="0"/>
-              <a:t>Covariant </a:t>
-            </a:r>
-          </a:p>
-          <a:p>
-            <a:r>
-              <a:rPr lang="en-US" sz="2200" dirty="0"/>
-              <a:t>Return Type</a:t>
+              <a:t>Method Overriding </a:t>
             </a:r>
           </a:p>
           <a:p>
@@ -4730,6 +5312,27 @@
             <a:r>
               <a:rPr lang="en-US" sz="2200" dirty="0"/>
               <a:t> operator</a:t>
+            </a:r>
+          </a:p>
+          <a:p>
+            <a:pPr marL="0" indent="0">
+              <a:buNone/>
+            </a:pPr>
+            <a:r>
+              <a:rPr lang="en-US" sz="2200" dirty="0"/>
+              <a:t>See more at: </a:t>
+            </a:r>
+            <a:r>
+              <a:rPr lang="en-US" sz="2000" dirty="0"/>
+              <a:t>https://</a:t>
+            </a:r>
+            <a:r>
+              <a:rPr lang="en-US" sz="2000" dirty="0" err="1"/>
+              <a:t>www.javatpoint.com</a:t>
+            </a:r>
+            <a:r>
+              <a:rPr lang="en-US" sz="2000" dirty="0"/>
+              <a:t>/java-tutorial</a:t>
             </a:r>
           </a:p>
         </p:txBody>
@@ -4832,7 +5435,13 @@
       </p:grpSpPr>
       <p:sp>
         <p:nvSpPr>
-          <p:cNvPr id="2" name="Title 1"/>
+          <p:cNvPr id="2" name="Title 1">
+            <a:extLst>
+              <a:ext uri="{FF2B5EF4-FFF2-40B4-BE49-F238E27FC236}">
+                <a16:creationId xmlns:a16="http://schemas.microsoft.com/office/drawing/2014/main" id="{AC1F40F7-A1B9-4A45-8680-82A01C8FE6CF}"/>
+              </a:ext>
+            </a:extLst>
+          </p:cNvPr>
           <p:cNvSpPr>
             <a:spLocks noGrp="1"/>
           </p:cNvSpPr>
@@ -4847,14 +5456,21 @@
           <a:p>
             <a:r>
               <a:rPr lang="en-US" dirty="0"/>
-              <a:t>Homework</a:t>
-            </a:r>
-          </a:p>
-        </p:txBody>
-      </p:sp>
-      <p:sp>
-        <p:nvSpPr>
-          <p:cNvPr id="3" name="Content Placeholder 2"/>
+              <a:t>Method Overloading</a:t>
+            </a:r>
+            <a:endParaRPr lang="en-VN" dirty="0"/>
+          </a:p>
+        </p:txBody>
+      </p:sp>
+      <p:sp>
+        <p:nvSpPr>
+          <p:cNvPr id="3" name="Content Placeholder 2">
+            <a:extLst>
+              <a:ext uri="{FF2B5EF4-FFF2-40B4-BE49-F238E27FC236}">
+                <a16:creationId xmlns:a16="http://schemas.microsoft.com/office/drawing/2014/main" id="{BB6B4A5D-0C31-3B40-BFEB-AEAD7C8376A8}"/>
+              </a:ext>
+            </a:extLst>
+          </p:cNvPr>
           <p:cNvSpPr>
             <a:spLocks noGrp="1"/>
           </p:cNvSpPr>
@@ -4867,32 +5483,62 @@
           <a:bodyPr/>
           <a:lstStyle/>
           <a:p>
-            <a:pPr lvl="0"/>
             <a:r>
               <a:rPr lang="en-US" dirty="0"/>
-              <a:t>OOP Exercises (6.1 </a:t>
-            </a:r>
-            <a:r>
-              <a:rPr lang="en-US" dirty="0">
-                <a:sym typeface="Wingdings" pitchFamily="2" charset="2"/>
-              </a:rPr>
-              <a:t> 6.4)</a:t>
-            </a:r>
-          </a:p>
-          <a:p>
-            <a:pPr lvl="0"/>
-            <a:r>
-              <a:rPr lang="en-US" dirty="0">
-                <a:sym typeface="Wingdings" pitchFamily="2" charset="2"/>
-              </a:rPr>
-              <a:t>Assignment 1: submission deadline 1.11</a:t>
-            </a:r>
-          </a:p>
-        </p:txBody>
-      </p:sp>
-      <p:sp>
-        <p:nvSpPr>
-          <p:cNvPr id="7" name="Footer Placeholder 6"/>
+              <a:t>Advantage of method overloading</a:t>
+            </a:r>
+          </a:p>
+          <a:p>
+            <a:r>
+              <a:rPr lang="en-US" dirty="0"/>
+              <a:t>1) Method Overloading: changing no. of arguments</a:t>
+            </a:r>
+          </a:p>
+          <a:p>
+            <a:r>
+              <a:rPr lang="en-US" dirty="0"/>
+              <a:t>2) Method Overloading: changing data type of arguments</a:t>
+            </a:r>
+          </a:p>
+          <a:p>
+            <a:r>
+              <a:rPr lang="en-US" dirty="0"/>
+              <a:t>Q) Why Method Overloading is not possible by changing the return type of method only?</a:t>
+            </a:r>
+          </a:p>
+          <a:p>
+            <a:r>
+              <a:rPr lang="en-US" dirty="0"/>
+              <a:t>Can we overload java main() method?</a:t>
+            </a:r>
+          </a:p>
+          <a:p>
+            <a:r>
+              <a:rPr lang="en-US" dirty="0"/>
+              <a:t>Method Overloading and Type Promotion</a:t>
+            </a:r>
+            <a:br>
+              <a:rPr lang="en-US" dirty="0"/>
+            </a:br>
+            <a:br>
+              <a:rPr lang="en-US" dirty="0"/>
+            </a:br>
+            <a:br>
+              <a:rPr lang="en-US" dirty="0"/>
+            </a:br>
+            <a:endParaRPr lang="en-VN" dirty="0"/>
+          </a:p>
+        </p:txBody>
+      </p:sp>
+      <p:sp>
+        <p:nvSpPr>
+          <p:cNvPr id="4" name="Footer Placeholder 3">
+            <a:extLst>
+              <a:ext uri="{FF2B5EF4-FFF2-40B4-BE49-F238E27FC236}">
+                <a16:creationId xmlns:a16="http://schemas.microsoft.com/office/drawing/2014/main" id="{E4B1D676-E952-3540-A415-76D5946058AC}"/>
+              </a:ext>
+            </a:extLst>
+          </p:cNvPr>
           <p:cNvSpPr>
             <a:spLocks noGrp="1"/>
           </p:cNvSpPr>
@@ -4906,15 +5552,22 @@
           <a:lstStyle/>
           <a:p>
             <a:r>
-              <a:rPr lang="en-US" dirty="0"/>
+              <a:rPr lang="en-US"/>
               <a:t>Lecture 6: Polymorphism</a:t>
             </a:r>
-          </a:p>
-        </p:txBody>
-      </p:sp>
-      <p:sp>
-        <p:nvSpPr>
-          <p:cNvPr id="8" name="Date Placeholder 7"/>
+            <a:endParaRPr lang="en-US" dirty="0"/>
+          </a:p>
+        </p:txBody>
+      </p:sp>
+      <p:sp>
+        <p:nvSpPr>
+          <p:cNvPr id="5" name="Date Placeholder 4">
+            <a:extLst>
+              <a:ext uri="{FF2B5EF4-FFF2-40B4-BE49-F238E27FC236}">
+                <a16:creationId xmlns:a16="http://schemas.microsoft.com/office/drawing/2014/main" id="{AC442D73-2F55-D24D-95A3-26B0C89135C2}"/>
+              </a:ext>
+            </a:extLst>
+          </p:cNvPr>
           <p:cNvSpPr>
             <a:spLocks noGrp="1"/>
           </p:cNvSpPr>
@@ -4928,7 +5581,7 @@
           <a:lstStyle/>
           <a:p>
             <a:r>
-              <a:rPr lang="en-GB" dirty="0"/>
+              <a:rPr lang="mr-IN"/>
               <a:t>17/10/2020</a:t>
             </a:r>
             <a:endParaRPr lang="en-US" dirty="0"/>
@@ -4937,7 +5590,13 @@
       </p:sp>
       <p:sp>
         <p:nvSpPr>
-          <p:cNvPr id="9" name="Slide Number Placeholder 8"/>
+          <p:cNvPr id="6" name="Slide Number Placeholder 5">
+            <a:extLst>
+              <a:ext uri="{FF2B5EF4-FFF2-40B4-BE49-F238E27FC236}">
+                <a16:creationId xmlns:a16="http://schemas.microsoft.com/office/drawing/2014/main" id="{BB03BF64-EBA9-934D-B55A-EF9DA00BC39F}"/>
+              </a:ext>
+            </a:extLst>
+          </p:cNvPr>
           <p:cNvSpPr>
             <a:spLocks noGrp="1"/>
           </p:cNvSpPr>
@@ -4961,7 +5620,1455 @@
     </p:spTree>
     <p:extLst>
       <p:ext uri="{BB962C8B-B14F-4D97-AF65-F5344CB8AC3E}">
-        <p14:creationId xmlns:p14="http://schemas.microsoft.com/office/powerpoint/2010/main" val="532993030"/>
+        <p14:creationId xmlns:p14="http://schemas.microsoft.com/office/powerpoint/2010/main" val="3105045999"/>
+      </p:ext>
+    </p:extLst>
+  </p:cSld>
+  <p:clrMapOvr>
+    <a:masterClrMapping/>
+  </p:clrMapOvr>
+  <p:transition spd="med">
+    <p:wipe dir="r"/>
+  </p:transition>
+</p:sld>
+</file>
+
+<file path=ppt/slides/slide4.xml><?xml version="1.0" encoding="utf-8"?>
+<p:sld xmlns:a="http://schemas.openxmlformats.org/drawingml/2006/main" xmlns:r="http://schemas.openxmlformats.org/officeDocument/2006/relationships" xmlns:p="http://schemas.openxmlformats.org/presentationml/2006/main">
+  <p:cSld>
+    <p:spTree>
+      <p:nvGrpSpPr>
+        <p:cNvPr id="1" name=""/>
+        <p:cNvGrpSpPr/>
+        <p:nvPr/>
+      </p:nvGrpSpPr>
+      <p:grpSpPr>
+        <a:xfrm>
+          <a:off x="0" y="0"/>
+          <a:ext cx="0" cy="0"/>
+          <a:chOff x="0" y="0"/>
+          <a:chExt cx="0" cy="0"/>
+        </a:xfrm>
+      </p:grpSpPr>
+      <p:sp>
+        <p:nvSpPr>
+          <p:cNvPr id="2" name="Title 1">
+            <a:extLst>
+              <a:ext uri="{FF2B5EF4-FFF2-40B4-BE49-F238E27FC236}">
+                <a16:creationId xmlns:a16="http://schemas.microsoft.com/office/drawing/2014/main" id="{99392CE3-2F54-6B46-9C77-2884CD890595}"/>
+              </a:ext>
+            </a:extLst>
+          </p:cNvPr>
+          <p:cNvSpPr>
+            <a:spLocks noGrp="1"/>
+          </p:cNvSpPr>
+          <p:nvPr>
+            <p:ph type="title"/>
+          </p:nvPr>
+        </p:nvSpPr>
+        <p:spPr/>
+        <p:txBody>
+          <a:bodyPr/>
+          <a:lstStyle/>
+          <a:p>
+            <a:r>
+              <a:rPr lang="en-US" dirty="0"/>
+              <a:t>Method Overriding</a:t>
+            </a:r>
+            <a:endParaRPr lang="en-VN" dirty="0"/>
+          </a:p>
+        </p:txBody>
+      </p:sp>
+      <p:sp>
+        <p:nvSpPr>
+          <p:cNvPr id="3" name="Content Placeholder 2">
+            <a:extLst>
+              <a:ext uri="{FF2B5EF4-FFF2-40B4-BE49-F238E27FC236}">
+                <a16:creationId xmlns:a16="http://schemas.microsoft.com/office/drawing/2014/main" id="{EA009D29-295D-C545-85AB-C25FB272613E}"/>
+              </a:ext>
+            </a:extLst>
+          </p:cNvPr>
+          <p:cNvSpPr>
+            <a:spLocks noGrp="1"/>
+          </p:cNvSpPr>
+          <p:nvPr>
+            <p:ph idx="1"/>
+          </p:nvPr>
+        </p:nvSpPr>
+        <p:spPr/>
+        <p:txBody>
+          <a:bodyPr/>
+          <a:lstStyle/>
+          <a:p>
+            <a:r>
+              <a:rPr lang="en-US" dirty="0"/>
+              <a:t>Usage of Java Method Overriding</a:t>
+            </a:r>
+          </a:p>
+          <a:p>
+            <a:pPr lvl="1"/>
+            <a:r>
+              <a:rPr lang="en-US" dirty="0"/>
+              <a:t>Method overriding is used to provide the specific implementation of a method which is already provided by its superclass.</a:t>
+            </a:r>
+          </a:p>
+          <a:p>
+            <a:pPr lvl="1"/>
+            <a:r>
+              <a:rPr lang="en-US" dirty="0"/>
+              <a:t>Method overriding is used for runtime polymorphism</a:t>
+            </a:r>
+          </a:p>
+          <a:p>
+            <a:r>
+              <a:rPr lang="en-US" dirty="0"/>
+              <a:t>Rules for Java Method Overriding</a:t>
+            </a:r>
+          </a:p>
+          <a:p>
+            <a:pPr lvl="1"/>
+            <a:r>
+              <a:rPr lang="en-US" dirty="0"/>
+              <a:t>The method must have the same name as in the parent class</a:t>
+            </a:r>
+          </a:p>
+          <a:p>
+            <a:pPr lvl="1"/>
+            <a:r>
+              <a:rPr lang="en-US" dirty="0"/>
+              <a:t>The method must have the same parameter as in the parent class.</a:t>
+            </a:r>
+          </a:p>
+          <a:p>
+            <a:pPr lvl="1"/>
+            <a:r>
+              <a:rPr lang="en-US" dirty="0"/>
+              <a:t>There must be an IS-A relationship (inheritance).</a:t>
+            </a:r>
+          </a:p>
+          <a:p>
+            <a:r>
+              <a:rPr lang="en-VN" dirty="0"/>
+              <a:t>Static method ?</a:t>
+            </a:r>
+          </a:p>
+        </p:txBody>
+      </p:sp>
+      <p:sp>
+        <p:nvSpPr>
+          <p:cNvPr id="4" name="Footer Placeholder 3">
+            <a:extLst>
+              <a:ext uri="{FF2B5EF4-FFF2-40B4-BE49-F238E27FC236}">
+                <a16:creationId xmlns:a16="http://schemas.microsoft.com/office/drawing/2014/main" id="{292326EF-9D26-4445-A481-1C9553BB2669}"/>
+              </a:ext>
+            </a:extLst>
+          </p:cNvPr>
+          <p:cNvSpPr>
+            <a:spLocks noGrp="1"/>
+          </p:cNvSpPr>
+          <p:nvPr>
+            <p:ph type="ftr" sz="quarter" idx="10"/>
+          </p:nvPr>
+        </p:nvSpPr>
+        <p:spPr/>
+        <p:txBody>
+          <a:bodyPr/>
+          <a:lstStyle/>
+          <a:p>
+            <a:r>
+              <a:rPr lang="en-US"/>
+              <a:t>Lecture 6: Polymorphism</a:t>
+            </a:r>
+            <a:endParaRPr lang="en-US" dirty="0"/>
+          </a:p>
+        </p:txBody>
+      </p:sp>
+      <p:sp>
+        <p:nvSpPr>
+          <p:cNvPr id="5" name="Date Placeholder 4">
+            <a:extLst>
+              <a:ext uri="{FF2B5EF4-FFF2-40B4-BE49-F238E27FC236}">
+                <a16:creationId xmlns:a16="http://schemas.microsoft.com/office/drawing/2014/main" id="{098EB054-CB0E-134B-81B0-166047FC9699}"/>
+              </a:ext>
+            </a:extLst>
+          </p:cNvPr>
+          <p:cNvSpPr>
+            <a:spLocks noGrp="1"/>
+          </p:cNvSpPr>
+          <p:nvPr>
+            <p:ph type="dt" sz="half" idx="11"/>
+          </p:nvPr>
+        </p:nvSpPr>
+        <p:spPr/>
+        <p:txBody>
+          <a:bodyPr/>
+          <a:lstStyle/>
+          <a:p>
+            <a:r>
+              <a:rPr lang="mr-IN"/>
+              <a:t>17/10/2020</a:t>
+            </a:r>
+            <a:endParaRPr lang="en-US" dirty="0"/>
+          </a:p>
+        </p:txBody>
+      </p:sp>
+      <p:sp>
+        <p:nvSpPr>
+          <p:cNvPr id="6" name="Slide Number Placeholder 5">
+            <a:extLst>
+              <a:ext uri="{FF2B5EF4-FFF2-40B4-BE49-F238E27FC236}">
+                <a16:creationId xmlns:a16="http://schemas.microsoft.com/office/drawing/2014/main" id="{D3E266AE-CB0A-9540-8097-58AAFDED1AB8}"/>
+              </a:ext>
+            </a:extLst>
+          </p:cNvPr>
+          <p:cNvSpPr>
+            <a:spLocks noGrp="1"/>
+          </p:cNvSpPr>
+          <p:nvPr>
+            <p:ph type="sldNum" sz="quarter" idx="12"/>
+          </p:nvPr>
+        </p:nvSpPr>
+        <p:spPr/>
+        <p:txBody>
+          <a:bodyPr/>
+          <a:lstStyle/>
+          <a:p>
+            <a:fld id="{1D5CD492-2BC6-F348-9965-EC1D86DF57A8}" type="slidenum">
+              <a:rPr lang="en-US" smtClean="0"/>
+              <a:t>4</a:t>
+            </a:fld>
+            <a:endParaRPr lang="en-US"/>
+          </a:p>
+        </p:txBody>
+      </p:sp>
+    </p:spTree>
+    <p:extLst>
+      <p:ext uri="{BB962C8B-B14F-4D97-AF65-F5344CB8AC3E}">
+        <p14:creationId xmlns:p14="http://schemas.microsoft.com/office/powerpoint/2010/main" val="3843173246"/>
+      </p:ext>
+    </p:extLst>
+  </p:cSld>
+  <p:clrMapOvr>
+    <a:masterClrMapping/>
+  </p:clrMapOvr>
+  <p:transition spd="med">
+    <p:wipe dir="r"/>
+  </p:transition>
+</p:sld>
+</file>
+
+<file path=ppt/slides/slide5.xml><?xml version="1.0" encoding="utf-8"?>
+<p:sld xmlns:a="http://schemas.openxmlformats.org/drawingml/2006/main" xmlns:r="http://schemas.openxmlformats.org/officeDocument/2006/relationships" xmlns:p="http://schemas.openxmlformats.org/presentationml/2006/main">
+  <p:cSld>
+    <p:spTree>
+      <p:nvGrpSpPr>
+        <p:cNvPr id="1" name=""/>
+        <p:cNvGrpSpPr/>
+        <p:nvPr/>
+      </p:nvGrpSpPr>
+      <p:grpSpPr>
+        <a:xfrm>
+          <a:off x="0" y="0"/>
+          <a:ext cx="0" cy="0"/>
+          <a:chOff x="0" y="0"/>
+          <a:chExt cx="0" cy="0"/>
+        </a:xfrm>
+      </p:grpSpPr>
+      <p:sp>
+        <p:nvSpPr>
+          <p:cNvPr id="2" name="Title 1">
+            <a:extLst>
+              <a:ext uri="{FF2B5EF4-FFF2-40B4-BE49-F238E27FC236}">
+                <a16:creationId xmlns:a16="http://schemas.microsoft.com/office/drawing/2014/main" id="{28BEF8B6-4CBC-BE44-A3C4-1BE6CA3D4D90}"/>
+              </a:ext>
+            </a:extLst>
+          </p:cNvPr>
+          <p:cNvSpPr>
+            <a:spLocks noGrp="1"/>
+          </p:cNvSpPr>
+          <p:nvPr>
+            <p:ph type="title"/>
+          </p:nvPr>
+        </p:nvSpPr>
+        <p:spPr/>
+        <p:txBody>
+          <a:bodyPr/>
+          <a:lstStyle/>
+          <a:p>
+            <a:r>
+              <a:rPr lang="en-VN" dirty="0"/>
+              <a:t>this</a:t>
+            </a:r>
+          </a:p>
+        </p:txBody>
+      </p:sp>
+      <p:sp>
+        <p:nvSpPr>
+          <p:cNvPr id="3" name="Content Placeholder 2">
+            <a:extLst>
+              <a:ext uri="{FF2B5EF4-FFF2-40B4-BE49-F238E27FC236}">
+                <a16:creationId xmlns:a16="http://schemas.microsoft.com/office/drawing/2014/main" id="{47F90077-D23F-8C42-8D4E-A8EEE10443F9}"/>
+              </a:ext>
+            </a:extLst>
+          </p:cNvPr>
+          <p:cNvSpPr>
+            <a:spLocks noGrp="1"/>
+          </p:cNvSpPr>
+          <p:nvPr>
+            <p:ph idx="1"/>
+          </p:nvPr>
+        </p:nvSpPr>
+        <p:spPr/>
+        <p:txBody>
+          <a:bodyPr/>
+          <a:lstStyle/>
+          <a:p>
+            <a:r>
+              <a:rPr lang="en-US" dirty="0"/>
+              <a:t>this can be used to refer current class instance variable.</a:t>
+            </a:r>
+          </a:p>
+          <a:p>
+            <a:r>
+              <a:rPr lang="en-US" dirty="0"/>
+              <a:t>this can be used to invoke current class method (implicitly)</a:t>
+            </a:r>
+          </a:p>
+          <a:p>
+            <a:r>
+              <a:rPr lang="en-US" dirty="0"/>
+              <a:t>this() can be used to invoke current class constructor.</a:t>
+            </a:r>
+          </a:p>
+          <a:p>
+            <a:r>
+              <a:rPr lang="en-US" dirty="0"/>
+              <a:t>this can be passed as an argument in the method call.</a:t>
+            </a:r>
+          </a:p>
+          <a:p>
+            <a:r>
+              <a:rPr lang="en-US" dirty="0"/>
+              <a:t>this can be passed as argument in the constructor call.</a:t>
+            </a:r>
+          </a:p>
+          <a:p>
+            <a:r>
+              <a:rPr lang="en-US" dirty="0"/>
+              <a:t>this can be used to return the current class instance from the method.</a:t>
+            </a:r>
+          </a:p>
+          <a:p>
+            <a:endParaRPr lang="en-VN" dirty="0"/>
+          </a:p>
+        </p:txBody>
+      </p:sp>
+      <p:sp>
+        <p:nvSpPr>
+          <p:cNvPr id="4" name="Footer Placeholder 3">
+            <a:extLst>
+              <a:ext uri="{FF2B5EF4-FFF2-40B4-BE49-F238E27FC236}">
+                <a16:creationId xmlns:a16="http://schemas.microsoft.com/office/drawing/2014/main" id="{0E16C79A-3B1A-DE48-8E94-1DFDA55B0367}"/>
+              </a:ext>
+            </a:extLst>
+          </p:cNvPr>
+          <p:cNvSpPr>
+            <a:spLocks noGrp="1"/>
+          </p:cNvSpPr>
+          <p:nvPr>
+            <p:ph type="ftr" sz="quarter" idx="10"/>
+          </p:nvPr>
+        </p:nvSpPr>
+        <p:spPr/>
+        <p:txBody>
+          <a:bodyPr/>
+          <a:lstStyle/>
+          <a:p>
+            <a:r>
+              <a:rPr lang="en-US"/>
+              <a:t>Lecture 6: Polymorphism</a:t>
+            </a:r>
+            <a:endParaRPr lang="en-US" dirty="0"/>
+          </a:p>
+        </p:txBody>
+      </p:sp>
+      <p:sp>
+        <p:nvSpPr>
+          <p:cNvPr id="5" name="Date Placeholder 4">
+            <a:extLst>
+              <a:ext uri="{FF2B5EF4-FFF2-40B4-BE49-F238E27FC236}">
+                <a16:creationId xmlns:a16="http://schemas.microsoft.com/office/drawing/2014/main" id="{ADEC31FF-3B77-C240-A3D6-1A1129ACAB21}"/>
+              </a:ext>
+            </a:extLst>
+          </p:cNvPr>
+          <p:cNvSpPr>
+            <a:spLocks noGrp="1"/>
+          </p:cNvSpPr>
+          <p:nvPr>
+            <p:ph type="dt" sz="half" idx="11"/>
+          </p:nvPr>
+        </p:nvSpPr>
+        <p:spPr/>
+        <p:txBody>
+          <a:bodyPr/>
+          <a:lstStyle/>
+          <a:p>
+            <a:r>
+              <a:rPr lang="mr-IN"/>
+              <a:t>17/10/2020</a:t>
+            </a:r>
+            <a:endParaRPr lang="en-US" dirty="0"/>
+          </a:p>
+        </p:txBody>
+      </p:sp>
+      <p:sp>
+        <p:nvSpPr>
+          <p:cNvPr id="6" name="Slide Number Placeholder 5">
+            <a:extLst>
+              <a:ext uri="{FF2B5EF4-FFF2-40B4-BE49-F238E27FC236}">
+                <a16:creationId xmlns:a16="http://schemas.microsoft.com/office/drawing/2014/main" id="{7374E9EF-F81D-0442-B4C9-E5BA4E06384C}"/>
+              </a:ext>
+            </a:extLst>
+          </p:cNvPr>
+          <p:cNvSpPr>
+            <a:spLocks noGrp="1"/>
+          </p:cNvSpPr>
+          <p:nvPr>
+            <p:ph type="sldNum" sz="quarter" idx="12"/>
+          </p:nvPr>
+        </p:nvSpPr>
+        <p:spPr/>
+        <p:txBody>
+          <a:bodyPr/>
+          <a:lstStyle/>
+          <a:p>
+            <a:fld id="{1D5CD492-2BC6-F348-9965-EC1D86DF57A8}" type="slidenum">
+              <a:rPr lang="en-US" smtClean="0"/>
+              <a:t>5</a:t>
+            </a:fld>
+            <a:endParaRPr lang="en-US"/>
+          </a:p>
+        </p:txBody>
+      </p:sp>
+    </p:spTree>
+    <p:extLst>
+      <p:ext uri="{BB962C8B-B14F-4D97-AF65-F5344CB8AC3E}">
+        <p14:creationId xmlns:p14="http://schemas.microsoft.com/office/powerpoint/2010/main" val="690184225"/>
+      </p:ext>
+    </p:extLst>
+  </p:cSld>
+  <p:clrMapOvr>
+    <a:masterClrMapping/>
+  </p:clrMapOvr>
+  <p:transition spd="med">
+    <p:wipe dir="r"/>
+  </p:transition>
+</p:sld>
+</file>
+
+<file path=ppt/slides/slide6.xml><?xml version="1.0" encoding="utf-8"?>
+<p:sld xmlns:a="http://schemas.openxmlformats.org/drawingml/2006/main" xmlns:r="http://schemas.openxmlformats.org/officeDocument/2006/relationships" xmlns:p="http://schemas.openxmlformats.org/presentationml/2006/main">
+  <p:cSld>
+    <p:spTree>
+      <p:nvGrpSpPr>
+        <p:cNvPr id="1" name=""/>
+        <p:cNvGrpSpPr/>
+        <p:nvPr/>
+      </p:nvGrpSpPr>
+      <p:grpSpPr>
+        <a:xfrm>
+          <a:off x="0" y="0"/>
+          <a:ext cx="0" cy="0"/>
+          <a:chOff x="0" y="0"/>
+          <a:chExt cx="0" cy="0"/>
+        </a:xfrm>
+      </p:grpSpPr>
+      <p:sp>
+        <p:nvSpPr>
+          <p:cNvPr id="2" name="Title 1">
+            <a:extLst>
+              <a:ext uri="{FF2B5EF4-FFF2-40B4-BE49-F238E27FC236}">
+                <a16:creationId xmlns:a16="http://schemas.microsoft.com/office/drawing/2014/main" id="{30A6B12E-2269-CF4F-A9B6-FFBFFE7D3FD2}"/>
+              </a:ext>
+            </a:extLst>
+          </p:cNvPr>
+          <p:cNvSpPr>
+            <a:spLocks noGrp="1"/>
+          </p:cNvSpPr>
+          <p:nvPr>
+            <p:ph type="title"/>
+          </p:nvPr>
+        </p:nvSpPr>
+        <p:spPr/>
+        <p:txBody>
+          <a:bodyPr/>
+          <a:lstStyle/>
+          <a:p>
+            <a:r>
+              <a:rPr lang="en-US" dirty="0"/>
+              <a:t>super keyword</a:t>
+            </a:r>
+            <a:endParaRPr lang="en-VN" dirty="0"/>
+          </a:p>
+        </p:txBody>
+      </p:sp>
+      <p:sp>
+        <p:nvSpPr>
+          <p:cNvPr id="3" name="Content Placeholder 2">
+            <a:extLst>
+              <a:ext uri="{FF2B5EF4-FFF2-40B4-BE49-F238E27FC236}">
+                <a16:creationId xmlns:a16="http://schemas.microsoft.com/office/drawing/2014/main" id="{A25ECD47-E524-0649-9CE8-96E2F0AA1F84}"/>
+              </a:ext>
+            </a:extLst>
+          </p:cNvPr>
+          <p:cNvSpPr>
+            <a:spLocks noGrp="1"/>
+          </p:cNvSpPr>
+          <p:nvPr>
+            <p:ph idx="1"/>
+          </p:nvPr>
+        </p:nvSpPr>
+        <p:spPr/>
+        <p:txBody>
+          <a:bodyPr/>
+          <a:lstStyle/>
+          <a:p>
+            <a:r>
+              <a:rPr lang="en-US" dirty="0"/>
+              <a:t>Usage of Java super Keyword</a:t>
+            </a:r>
+          </a:p>
+          <a:p>
+            <a:pPr lvl="1"/>
+            <a:r>
+              <a:rPr lang="en-US" dirty="0"/>
+              <a:t>super can be used to refer immediate parent class instance variable.</a:t>
+            </a:r>
+          </a:p>
+          <a:p>
+            <a:pPr lvl="1"/>
+            <a:r>
+              <a:rPr lang="en-US" dirty="0"/>
+              <a:t>super can be used to invoke immediate parent class method.</a:t>
+            </a:r>
+          </a:p>
+          <a:p>
+            <a:pPr lvl="1"/>
+            <a:r>
+              <a:rPr lang="en-US" dirty="0"/>
+              <a:t>super() can be used to invoke immediate parent class constructor.</a:t>
+            </a:r>
+          </a:p>
+          <a:p>
+            <a:endParaRPr lang="en-VN" dirty="0"/>
+          </a:p>
+          <a:p>
+            <a:endParaRPr lang="en-VN" dirty="0"/>
+          </a:p>
+          <a:p>
+            <a:endParaRPr lang="en-VN" dirty="0"/>
+          </a:p>
+          <a:p>
+            <a:endParaRPr lang="en-VN" dirty="0"/>
+          </a:p>
+        </p:txBody>
+      </p:sp>
+      <p:sp>
+        <p:nvSpPr>
+          <p:cNvPr id="4" name="Footer Placeholder 3">
+            <a:extLst>
+              <a:ext uri="{FF2B5EF4-FFF2-40B4-BE49-F238E27FC236}">
+                <a16:creationId xmlns:a16="http://schemas.microsoft.com/office/drawing/2014/main" id="{5E201404-93FF-E44A-9E61-56F87A8F73F3}"/>
+              </a:ext>
+            </a:extLst>
+          </p:cNvPr>
+          <p:cNvSpPr>
+            <a:spLocks noGrp="1"/>
+          </p:cNvSpPr>
+          <p:nvPr>
+            <p:ph type="ftr" sz="quarter" idx="10"/>
+          </p:nvPr>
+        </p:nvSpPr>
+        <p:spPr/>
+        <p:txBody>
+          <a:bodyPr/>
+          <a:lstStyle/>
+          <a:p>
+            <a:r>
+              <a:rPr lang="en-US"/>
+              <a:t>Lecture 6: Polymorphism</a:t>
+            </a:r>
+            <a:endParaRPr lang="en-US" dirty="0"/>
+          </a:p>
+        </p:txBody>
+      </p:sp>
+      <p:sp>
+        <p:nvSpPr>
+          <p:cNvPr id="5" name="Date Placeholder 4">
+            <a:extLst>
+              <a:ext uri="{FF2B5EF4-FFF2-40B4-BE49-F238E27FC236}">
+                <a16:creationId xmlns:a16="http://schemas.microsoft.com/office/drawing/2014/main" id="{E92BC650-4125-784F-BE7F-6891F7F73258}"/>
+              </a:ext>
+            </a:extLst>
+          </p:cNvPr>
+          <p:cNvSpPr>
+            <a:spLocks noGrp="1"/>
+          </p:cNvSpPr>
+          <p:nvPr>
+            <p:ph type="dt" sz="half" idx="11"/>
+          </p:nvPr>
+        </p:nvSpPr>
+        <p:spPr/>
+        <p:txBody>
+          <a:bodyPr/>
+          <a:lstStyle/>
+          <a:p>
+            <a:r>
+              <a:rPr lang="mr-IN"/>
+              <a:t>17/10/2020</a:t>
+            </a:r>
+            <a:endParaRPr lang="en-US" dirty="0"/>
+          </a:p>
+        </p:txBody>
+      </p:sp>
+      <p:sp>
+        <p:nvSpPr>
+          <p:cNvPr id="6" name="Slide Number Placeholder 5">
+            <a:extLst>
+              <a:ext uri="{FF2B5EF4-FFF2-40B4-BE49-F238E27FC236}">
+                <a16:creationId xmlns:a16="http://schemas.microsoft.com/office/drawing/2014/main" id="{D21AA4E4-CF3B-5147-9A63-FEE64708C8FB}"/>
+              </a:ext>
+            </a:extLst>
+          </p:cNvPr>
+          <p:cNvSpPr>
+            <a:spLocks noGrp="1"/>
+          </p:cNvSpPr>
+          <p:nvPr>
+            <p:ph type="sldNum" sz="quarter" idx="12"/>
+          </p:nvPr>
+        </p:nvSpPr>
+        <p:spPr/>
+        <p:txBody>
+          <a:bodyPr/>
+          <a:lstStyle/>
+          <a:p>
+            <a:fld id="{1D5CD492-2BC6-F348-9965-EC1D86DF57A8}" type="slidenum">
+              <a:rPr lang="en-US" smtClean="0"/>
+              <a:t>6</a:t>
+            </a:fld>
+            <a:endParaRPr lang="en-US"/>
+          </a:p>
+        </p:txBody>
+      </p:sp>
+    </p:spTree>
+    <p:extLst>
+      <p:ext uri="{BB962C8B-B14F-4D97-AF65-F5344CB8AC3E}">
+        <p14:creationId xmlns:p14="http://schemas.microsoft.com/office/powerpoint/2010/main" val="3937962978"/>
+      </p:ext>
+    </p:extLst>
+  </p:cSld>
+  <p:clrMapOvr>
+    <a:masterClrMapping/>
+  </p:clrMapOvr>
+  <p:transition spd="med">
+    <p:wipe dir="r"/>
+  </p:transition>
+</p:sld>
+</file>
+
+<file path=ppt/slides/slide7.xml><?xml version="1.0" encoding="utf-8"?>
+<p:sld xmlns:a="http://schemas.openxmlformats.org/drawingml/2006/main" xmlns:r="http://schemas.openxmlformats.org/officeDocument/2006/relationships" xmlns:p="http://schemas.openxmlformats.org/presentationml/2006/main">
+  <p:cSld>
+    <p:spTree>
+      <p:nvGrpSpPr>
+        <p:cNvPr id="1" name=""/>
+        <p:cNvGrpSpPr/>
+        <p:nvPr/>
+      </p:nvGrpSpPr>
+      <p:grpSpPr>
+        <a:xfrm>
+          <a:off x="0" y="0"/>
+          <a:ext cx="0" cy="0"/>
+          <a:chOff x="0" y="0"/>
+          <a:chExt cx="0" cy="0"/>
+        </a:xfrm>
+      </p:grpSpPr>
+      <p:sp>
+        <p:nvSpPr>
+          <p:cNvPr id="2" name="Title 1">
+            <a:extLst>
+              <a:ext uri="{FF2B5EF4-FFF2-40B4-BE49-F238E27FC236}">
+                <a16:creationId xmlns:a16="http://schemas.microsoft.com/office/drawing/2014/main" id="{8857D7B0-9544-C246-9C9A-4DB811BC494C}"/>
+              </a:ext>
+            </a:extLst>
+          </p:cNvPr>
+          <p:cNvSpPr>
+            <a:spLocks noGrp="1"/>
+          </p:cNvSpPr>
+          <p:nvPr>
+            <p:ph type="title"/>
+          </p:nvPr>
+        </p:nvSpPr>
+        <p:spPr/>
+        <p:txBody>
+          <a:bodyPr/>
+          <a:lstStyle/>
+          <a:p>
+            <a:r>
+              <a:rPr lang="en-US" dirty="0"/>
+              <a:t>Instance Initializer block</a:t>
+            </a:r>
+            <a:endParaRPr lang="en-VN" dirty="0"/>
+          </a:p>
+        </p:txBody>
+      </p:sp>
+      <p:sp>
+        <p:nvSpPr>
+          <p:cNvPr id="3" name="Content Placeholder 2">
+            <a:extLst>
+              <a:ext uri="{FF2B5EF4-FFF2-40B4-BE49-F238E27FC236}">
+                <a16:creationId xmlns:a16="http://schemas.microsoft.com/office/drawing/2014/main" id="{B005AF51-3959-FF46-A753-EA9C5DC78399}"/>
+              </a:ext>
+            </a:extLst>
+          </p:cNvPr>
+          <p:cNvSpPr>
+            <a:spLocks noGrp="1"/>
+          </p:cNvSpPr>
+          <p:nvPr>
+            <p:ph idx="1"/>
+          </p:nvPr>
+        </p:nvSpPr>
+        <p:spPr/>
+        <p:txBody>
+          <a:bodyPr/>
+          <a:lstStyle/>
+          <a:p>
+            <a:r>
+              <a:rPr lang="en-US" dirty="0"/>
+              <a:t>There are three places in java where you can perform operations:</a:t>
+            </a:r>
+          </a:p>
+          <a:p>
+            <a:pPr lvl="1"/>
+            <a:r>
+              <a:rPr lang="en-US" dirty="0"/>
+              <a:t>method</a:t>
+            </a:r>
+          </a:p>
+          <a:p>
+            <a:pPr lvl="1"/>
+            <a:r>
+              <a:rPr lang="en-US" dirty="0"/>
+              <a:t>constructor</a:t>
+            </a:r>
+          </a:p>
+          <a:p>
+            <a:pPr lvl="1"/>
+            <a:r>
+              <a:rPr lang="en-US" dirty="0"/>
+              <a:t>block</a:t>
+            </a:r>
+          </a:p>
+          <a:p>
+            <a:r>
+              <a:rPr lang="en-US" dirty="0"/>
+              <a:t>Rules for instance initializer block : </a:t>
+            </a:r>
+          </a:p>
+          <a:p>
+            <a:pPr lvl="1"/>
+            <a:r>
+              <a:rPr lang="en-US" dirty="0"/>
+              <a:t>The instance initializer block is created when instance of the class is created. </a:t>
+            </a:r>
+          </a:p>
+          <a:p>
+            <a:pPr lvl="1"/>
+            <a:r>
+              <a:rPr lang="en-US" dirty="0"/>
+              <a:t>The instance initializer block is invoked after the parent class constructor is invoked (i.e. after super() constructor call). </a:t>
+            </a:r>
+          </a:p>
+          <a:p>
+            <a:pPr lvl="1"/>
+            <a:r>
+              <a:rPr lang="en-US" dirty="0"/>
+              <a:t>The instance initializer block comes in the order in which they appear.</a:t>
+            </a:r>
+            <a:endParaRPr lang="en-VN" dirty="0"/>
+          </a:p>
+        </p:txBody>
+      </p:sp>
+      <p:sp>
+        <p:nvSpPr>
+          <p:cNvPr id="4" name="Footer Placeholder 3">
+            <a:extLst>
+              <a:ext uri="{FF2B5EF4-FFF2-40B4-BE49-F238E27FC236}">
+                <a16:creationId xmlns:a16="http://schemas.microsoft.com/office/drawing/2014/main" id="{F387237A-94E5-4241-BE38-7B229940978F}"/>
+              </a:ext>
+            </a:extLst>
+          </p:cNvPr>
+          <p:cNvSpPr>
+            <a:spLocks noGrp="1"/>
+          </p:cNvSpPr>
+          <p:nvPr>
+            <p:ph type="ftr" sz="quarter" idx="10"/>
+          </p:nvPr>
+        </p:nvSpPr>
+        <p:spPr/>
+        <p:txBody>
+          <a:bodyPr/>
+          <a:lstStyle/>
+          <a:p>
+            <a:r>
+              <a:rPr lang="en-US"/>
+              <a:t>Lecture 6: Polymorphism</a:t>
+            </a:r>
+            <a:endParaRPr lang="en-US" dirty="0"/>
+          </a:p>
+        </p:txBody>
+      </p:sp>
+      <p:sp>
+        <p:nvSpPr>
+          <p:cNvPr id="5" name="Date Placeholder 4">
+            <a:extLst>
+              <a:ext uri="{FF2B5EF4-FFF2-40B4-BE49-F238E27FC236}">
+                <a16:creationId xmlns:a16="http://schemas.microsoft.com/office/drawing/2014/main" id="{0F9BEF76-53B6-6049-8113-5916AB72CC8B}"/>
+              </a:ext>
+            </a:extLst>
+          </p:cNvPr>
+          <p:cNvSpPr>
+            <a:spLocks noGrp="1"/>
+          </p:cNvSpPr>
+          <p:nvPr>
+            <p:ph type="dt" sz="half" idx="11"/>
+          </p:nvPr>
+        </p:nvSpPr>
+        <p:spPr/>
+        <p:txBody>
+          <a:bodyPr/>
+          <a:lstStyle/>
+          <a:p>
+            <a:r>
+              <a:rPr lang="mr-IN"/>
+              <a:t>17/10/2020</a:t>
+            </a:r>
+            <a:endParaRPr lang="en-US" dirty="0"/>
+          </a:p>
+        </p:txBody>
+      </p:sp>
+      <p:sp>
+        <p:nvSpPr>
+          <p:cNvPr id="6" name="Slide Number Placeholder 5">
+            <a:extLst>
+              <a:ext uri="{FF2B5EF4-FFF2-40B4-BE49-F238E27FC236}">
+                <a16:creationId xmlns:a16="http://schemas.microsoft.com/office/drawing/2014/main" id="{E73F5013-9BA2-5C4C-8CC1-1F7FD0D97861}"/>
+              </a:ext>
+            </a:extLst>
+          </p:cNvPr>
+          <p:cNvSpPr>
+            <a:spLocks noGrp="1"/>
+          </p:cNvSpPr>
+          <p:nvPr>
+            <p:ph type="sldNum" sz="quarter" idx="12"/>
+          </p:nvPr>
+        </p:nvSpPr>
+        <p:spPr/>
+        <p:txBody>
+          <a:bodyPr/>
+          <a:lstStyle/>
+          <a:p>
+            <a:fld id="{1D5CD492-2BC6-F348-9965-EC1D86DF57A8}" type="slidenum">
+              <a:rPr lang="en-US" smtClean="0"/>
+              <a:t>7</a:t>
+            </a:fld>
+            <a:endParaRPr lang="en-US"/>
+          </a:p>
+        </p:txBody>
+      </p:sp>
+    </p:spTree>
+    <p:extLst>
+      <p:ext uri="{BB962C8B-B14F-4D97-AF65-F5344CB8AC3E}">
+        <p14:creationId xmlns:p14="http://schemas.microsoft.com/office/powerpoint/2010/main" val="244381275"/>
+      </p:ext>
+    </p:extLst>
+  </p:cSld>
+  <p:clrMapOvr>
+    <a:masterClrMapping/>
+  </p:clrMapOvr>
+  <p:transition spd="med">
+    <p:wipe dir="r"/>
+  </p:transition>
+</p:sld>
+</file>
+
+<file path=ppt/slides/slide8.xml><?xml version="1.0" encoding="utf-8"?>
+<p:sld xmlns:a="http://schemas.openxmlformats.org/drawingml/2006/main" xmlns:r="http://schemas.openxmlformats.org/officeDocument/2006/relationships" xmlns:p="http://schemas.openxmlformats.org/presentationml/2006/main">
+  <p:cSld>
+    <p:spTree>
+      <p:nvGrpSpPr>
+        <p:cNvPr id="1" name=""/>
+        <p:cNvGrpSpPr/>
+        <p:nvPr/>
+      </p:nvGrpSpPr>
+      <p:grpSpPr>
+        <a:xfrm>
+          <a:off x="0" y="0"/>
+          <a:ext cx="0" cy="0"/>
+          <a:chOff x="0" y="0"/>
+          <a:chExt cx="0" cy="0"/>
+        </a:xfrm>
+      </p:grpSpPr>
+      <p:sp>
+        <p:nvSpPr>
+          <p:cNvPr id="2" name="Title 1">
+            <a:extLst>
+              <a:ext uri="{FF2B5EF4-FFF2-40B4-BE49-F238E27FC236}">
+                <a16:creationId xmlns:a16="http://schemas.microsoft.com/office/drawing/2014/main" id="{B0812C87-3C0A-1644-99C4-3E5D0F4D13FF}"/>
+              </a:ext>
+            </a:extLst>
+          </p:cNvPr>
+          <p:cNvSpPr>
+            <a:spLocks noGrp="1"/>
+          </p:cNvSpPr>
+          <p:nvPr>
+            <p:ph type="title"/>
+          </p:nvPr>
+        </p:nvSpPr>
+        <p:spPr/>
+        <p:txBody>
+          <a:bodyPr/>
+          <a:lstStyle/>
+          <a:p>
+            <a:r>
+              <a:rPr lang="en-US" dirty="0"/>
+              <a:t>final keyword</a:t>
+            </a:r>
+            <a:endParaRPr lang="en-VN" dirty="0"/>
+          </a:p>
+        </p:txBody>
+      </p:sp>
+      <p:sp>
+        <p:nvSpPr>
+          <p:cNvPr id="3" name="Content Placeholder 2">
+            <a:extLst>
+              <a:ext uri="{FF2B5EF4-FFF2-40B4-BE49-F238E27FC236}">
+                <a16:creationId xmlns:a16="http://schemas.microsoft.com/office/drawing/2014/main" id="{543A1BF8-6250-AF45-BD38-3DA671847DC2}"/>
+              </a:ext>
+            </a:extLst>
+          </p:cNvPr>
+          <p:cNvSpPr>
+            <a:spLocks noGrp="1"/>
+          </p:cNvSpPr>
+          <p:nvPr>
+            <p:ph idx="1"/>
+          </p:nvPr>
+        </p:nvSpPr>
+        <p:spPr/>
+        <p:txBody>
+          <a:bodyPr/>
+          <a:lstStyle/>
+          <a:p>
+            <a:r>
+              <a:rPr lang="en-US" dirty="0"/>
+              <a:t>The </a:t>
+            </a:r>
+            <a:r>
+              <a:rPr lang="en-US" b="1" dirty="0"/>
+              <a:t>final keyword</a:t>
+            </a:r>
+            <a:r>
+              <a:rPr lang="en-US" dirty="0"/>
+              <a:t> in java is used to restrict the user:</a:t>
+            </a:r>
+          </a:p>
+          <a:p>
+            <a:pPr lvl="1"/>
+            <a:r>
+              <a:rPr lang="en-US" dirty="0"/>
+              <a:t>variable</a:t>
+            </a:r>
+          </a:p>
+          <a:p>
+            <a:pPr lvl="1"/>
+            <a:r>
+              <a:rPr lang="en-US" dirty="0"/>
+              <a:t>method</a:t>
+            </a:r>
+          </a:p>
+          <a:p>
+            <a:pPr lvl="1"/>
+            <a:r>
+              <a:rPr lang="en-US" dirty="0"/>
+              <a:t>class</a:t>
+            </a:r>
+          </a:p>
+          <a:p>
+            <a:endParaRPr lang="en-VN" dirty="0"/>
+          </a:p>
+          <a:p>
+            <a:endParaRPr lang="en-VN" dirty="0"/>
+          </a:p>
+        </p:txBody>
+      </p:sp>
+      <p:sp>
+        <p:nvSpPr>
+          <p:cNvPr id="4" name="Footer Placeholder 3">
+            <a:extLst>
+              <a:ext uri="{FF2B5EF4-FFF2-40B4-BE49-F238E27FC236}">
+                <a16:creationId xmlns:a16="http://schemas.microsoft.com/office/drawing/2014/main" id="{5EFDE350-BB59-C649-9E9B-2AFD919E54FC}"/>
+              </a:ext>
+            </a:extLst>
+          </p:cNvPr>
+          <p:cNvSpPr>
+            <a:spLocks noGrp="1"/>
+          </p:cNvSpPr>
+          <p:nvPr>
+            <p:ph type="ftr" sz="quarter" idx="10"/>
+          </p:nvPr>
+        </p:nvSpPr>
+        <p:spPr/>
+        <p:txBody>
+          <a:bodyPr/>
+          <a:lstStyle/>
+          <a:p>
+            <a:r>
+              <a:rPr lang="en-US"/>
+              <a:t>Lecture 6: Polymorphism</a:t>
+            </a:r>
+            <a:endParaRPr lang="en-US" dirty="0"/>
+          </a:p>
+        </p:txBody>
+      </p:sp>
+      <p:sp>
+        <p:nvSpPr>
+          <p:cNvPr id="5" name="Date Placeholder 4">
+            <a:extLst>
+              <a:ext uri="{FF2B5EF4-FFF2-40B4-BE49-F238E27FC236}">
+                <a16:creationId xmlns:a16="http://schemas.microsoft.com/office/drawing/2014/main" id="{111CAE69-1F57-6D46-A127-51DA5BD08ED5}"/>
+              </a:ext>
+            </a:extLst>
+          </p:cNvPr>
+          <p:cNvSpPr>
+            <a:spLocks noGrp="1"/>
+          </p:cNvSpPr>
+          <p:nvPr>
+            <p:ph type="dt" sz="half" idx="11"/>
+          </p:nvPr>
+        </p:nvSpPr>
+        <p:spPr/>
+        <p:txBody>
+          <a:bodyPr/>
+          <a:lstStyle/>
+          <a:p>
+            <a:r>
+              <a:rPr lang="mr-IN"/>
+              <a:t>17/10/2020</a:t>
+            </a:r>
+            <a:endParaRPr lang="en-US" dirty="0"/>
+          </a:p>
+        </p:txBody>
+      </p:sp>
+      <p:sp>
+        <p:nvSpPr>
+          <p:cNvPr id="6" name="Slide Number Placeholder 5">
+            <a:extLst>
+              <a:ext uri="{FF2B5EF4-FFF2-40B4-BE49-F238E27FC236}">
+                <a16:creationId xmlns:a16="http://schemas.microsoft.com/office/drawing/2014/main" id="{EE35B8BE-DE71-5741-A380-EEBEF106378B}"/>
+              </a:ext>
+            </a:extLst>
+          </p:cNvPr>
+          <p:cNvSpPr>
+            <a:spLocks noGrp="1"/>
+          </p:cNvSpPr>
+          <p:nvPr>
+            <p:ph type="sldNum" sz="quarter" idx="12"/>
+          </p:nvPr>
+        </p:nvSpPr>
+        <p:spPr/>
+        <p:txBody>
+          <a:bodyPr/>
+          <a:lstStyle/>
+          <a:p>
+            <a:fld id="{1D5CD492-2BC6-F348-9965-EC1D86DF57A8}" type="slidenum">
+              <a:rPr lang="en-US" smtClean="0"/>
+              <a:t>8</a:t>
+            </a:fld>
+            <a:endParaRPr lang="en-US"/>
+          </a:p>
+        </p:txBody>
+      </p:sp>
+    </p:spTree>
+    <p:extLst>
+      <p:ext uri="{BB962C8B-B14F-4D97-AF65-F5344CB8AC3E}">
+        <p14:creationId xmlns:p14="http://schemas.microsoft.com/office/powerpoint/2010/main" val="1939458001"/>
+      </p:ext>
+    </p:extLst>
+  </p:cSld>
+  <p:clrMapOvr>
+    <a:masterClrMapping/>
+  </p:clrMapOvr>
+  <p:transition spd="med">
+    <p:wipe dir="r"/>
+  </p:transition>
+</p:sld>
+</file>
+
+<file path=ppt/slides/slide9.xml><?xml version="1.0" encoding="utf-8"?>
+<p:sld xmlns:a="http://schemas.openxmlformats.org/drawingml/2006/main" xmlns:r="http://schemas.openxmlformats.org/officeDocument/2006/relationships" xmlns:p="http://schemas.openxmlformats.org/presentationml/2006/main">
+  <p:cSld>
+    <p:spTree>
+      <p:nvGrpSpPr>
+        <p:cNvPr id="1" name=""/>
+        <p:cNvGrpSpPr/>
+        <p:nvPr/>
+      </p:nvGrpSpPr>
+      <p:grpSpPr>
+        <a:xfrm>
+          <a:off x="0" y="0"/>
+          <a:ext cx="0" cy="0"/>
+          <a:chOff x="0" y="0"/>
+          <a:chExt cx="0" cy="0"/>
+        </a:xfrm>
+      </p:grpSpPr>
+      <p:sp>
+        <p:nvSpPr>
+          <p:cNvPr id="2" name="Title 1">
+            <a:extLst>
+              <a:ext uri="{FF2B5EF4-FFF2-40B4-BE49-F238E27FC236}">
+                <a16:creationId xmlns:a16="http://schemas.microsoft.com/office/drawing/2014/main" id="{46EB22BE-73BC-0041-A6C3-0354B72C4769}"/>
+              </a:ext>
+            </a:extLst>
+          </p:cNvPr>
+          <p:cNvSpPr>
+            <a:spLocks noGrp="1"/>
+          </p:cNvSpPr>
+          <p:nvPr>
+            <p:ph type="title"/>
+          </p:nvPr>
+        </p:nvSpPr>
+        <p:spPr/>
+        <p:txBody>
+          <a:bodyPr/>
+          <a:lstStyle/>
+          <a:p>
+            <a:r>
+              <a:rPr lang="en-US" dirty="0"/>
+              <a:t>Runtime Polymorphism</a:t>
+            </a:r>
+            <a:endParaRPr lang="en-VN" dirty="0"/>
+          </a:p>
+        </p:txBody>
+      </p:sp>
+      <p:sp>
+        <p:nvSpPr>
+          <p:cNvPr id="3" name="Content Placeholder 2">
+            <a:extLst>
+              <a:ext uri="{FF2B5EF4-FFF2-40B4-BE49-F238E27FC236}">
+                <a16:creationId xmlns:a16="http://schemas.microsoft.com/office/drawing/2014/main" id="{FB1EF382-18A5-4E42-A1B1-E31BD805CEA0}"/>
+              </a:ext>
+            </a:extLst>
+          </p:cNvPr>
+          <p:cNvSpPr>
+            <a:spLocks noGrp="1"/>
+          </p:cNvSpPr>
+          <p:nvPr>
+            <p:ph idx="1"/>
+          </p:nvPr>
+        </p:nvSpPr>
+        <p:spPr>
+          <a:xfrm>
+            <a:off x="457200" y="1600200"/>
+            <a:ext cx="8229600" cy="4664676"/>
+          </a:xfrm>
+        </p:spPr>
+        <p:txBody>
+          <a:bodyPr/>
+          <a:lstStyle/>
+          <a:p>
+            <a:r>
+              <a:rPr lang="en-US" dirty="0"/>
+              <a:t>Upcasting: If the reference variable of Parent class refers to the object of Child class, it is known as upcasting.</a:t>
+            </a:r>
+          </a:p>
+          <a:p>
+            <a:pPr marL="0" indent="0">
+              <a:buNone/>
+            </a:pPr>
+            <a:endParaRPr lang="en-US" sz="1800" b="1" dirty="0">
+              <a:latin typeface="Courier" pitchFamily="2" charset="0"/>
+            </a:endParaRPr>
+          </a:p>
+          <a:p>
+            <a:pPr marL="0" indent="0">
+              <a:buNone/>
+            </a:pPr>
+            <a:r>
+              <a:rPr lang="en-US" sz="1800" b="1" dirty="0">
+                <a:latin typeface="Courier" pitchFamily="2" charset="0"/>
+              </a:rPr>
+              <a:t>interface</a:t>
+            </a:r>
+            <a:r>
+              <a:rPr lang="en-US" sz="1800" dirty="0">
+                <a:latin typeface="Courier" pitchFamily="2" charset="0"/>
+              </a:rPr>
+              <a:t> I{}  </a:t>
+            </a:r>
+            <a:endParaRPr lang="en-US" sz="1800" b="1" dirty="0">
+              <a:latin typeface="Courier" pitchFamily="2" charset="0"/>
+            </a:endParaRPr>
+          </a:p>
+          <a:p>
+            <a:pPr marL="0" indent="0">
+              <a:buNone/>
+            </a:pPr>
+            <a:r>
+              <a:rPr lang="en-US" sz="1800" b="1" dirty="0">
+                <a:latin typeface="Courier" pitchFamily="2" charset="0"/>
+              </a:rPr>
+              <a:t>class</a:t>
+            </a:r>
+            <a:r>
+              <a:rPr lang="en-US" sz="1800" dirty="0">
+                <a:latin typeface="Courier" pitchFamily="2" charset="0"/>
+              </a:rPr>
+              <a:t> A{}  </a:t>
+            </a:r>
+          </a:p>
+          <a:p>
+            <a:pPr marL="0" indent="0">
+              <a:buNone/>
+            </a:pPr>
+            <a:r>
+              <a:rPr lang="en-US" sz="1800" b="1" dirty="0">
+                <a:latin typeface="Courier" pitchFamily="2" charset="0"/>
+              </a:rPr>
+              <a:t>class</a:t>
+            </a:r>
+            <a:r>
+              <a:rPr lang="en-US" sz="1800" dirty="0">
+                <a:latin typeface="Courier" pitchFamily="2" charset="0"/>
+              </a:rPr>
+              <a:t> B </a:t>
+            </a:r>
+            <a:r>
+              <a:rPr lang="en-US" sz="1800" b="1" dirty="0">
+                <a:latin typeface="Courier" pitchFamily="2" charset="0"/>
+              </a:rPr>
+              <a:t>extends</a:t>
+            </a:r>
+            <a:r>
+              <a:rPr lang="en-US" sz="1800" dirty="0">
+                <a:latin typeface="Courier" pitchFamily="2" charset="0"/>
+              </a:rPr>
+              <a:t> A{}  </a:t>
+            </a:r>
+          </a:p>
+          <a:p>
+            <a:pPr marL="0" indent="0">
+              <a:buNone/>
+            </a:pPr>
+            <a:r>
+              <a:rPr lang="en-US" sz="1800" b="1" dirty="0">
+                <a:latin typeface="Courier" pitchFamily="2" charset="0"/>
+              </a:rPr>
+              <a:t>class</a:t>
+            </a:r>
+            <a:r>
+              <a:rPr lang="en-US" sz="1800" dirty="0">
+                <a:latin typeface="Courier" pitchFamily="2" charset="0"/>
+              </a:rPr>
+              <a:t> B </a:t>
+            </a:r>
+            <a:r>
+              <a:rPr lang="en-US" sz="1800" b="1" dirty="0">
+                <a:latin typeface="Courier" pitchFamily="2" charset="0"/>
+              </a:rPr>
+              <a:t>extends</a:t>
+            </a:r>
+            <a:r>
+              <a:rPr lang="en-US" sz="1800" dirty="0">
+                <a:latin typeface="Courier" pitchFamily="2" charset="0"/>
+              </a:rPr>
+              <a:t> A </a:t>
+            </a:r>
+            <a:r>
+              <a:rPr lang="en-US" sz="1800" b="1" dirty="0">
+                <a:latin typeface="Courier" pitchFamily="2" charset="0"/>
+              </a:rPr>
+              <a:t>implements</a:t>
+            </a:r>
+            <a:r>
+              <a:rPr lang="en-US" sz="1800" dirty="0">
+                <a:latin typeface="Courier" pitchFamily="2" charset="0"/>
+              </a:rPr>
+              <a:t> I{}  </a:t>
+            </a:r>
+          </a:p>
+          <a:p>
+            <a:pPr marL="0" indent="0">
+              <a:buNone/>
+            </a:pPr>
+            <a:r>
+              <a:rPr lang="en-US" sz="1800" dirty="0">
+                <a:latin typeface="Courier" pitchFamily="2" charset="0"/>
+              </a:rPr>
+              <a:t>A a=</a:t>
+            </a:r>
+            <a:r>
+              <a:rPr lang="en-US" sz="1800" b="1" dirty="0">
+                <a:latin typeface="Courier" pitchFamily="2" charset="0"/>
+              </a:rPr>
+              <a:t>new</a:t>
+            </a:r>
+            <a:r>
+              <a:rPr lang="en-US" sz="1800" dirty="0">
+                <a:latin typeface="Courier" pitchFamily="2" charset="0"/>
+              </a:rPr>
+              <a:t> B();//upcasting </a:t>
+            </a:r>
+            <a:r>
+              <a:rPr lang="en-US" dirty="0"/>
+              <a:t> </a:t>
+            </a:r>
+          </a:p>
+          <a:p>
+            <a:pPr marL="0" indent="0">
+              <a:buNone/>
+            </a:pPr>
+            <a:r>
+              <a:rPr lang="en-US" sz="1800" dirty="0">
+                <a:latin typeface="Courier" pitchFamily="2" charset="0"/>
+              </a:rPr>
+              <a:t>I x = new B();</a:t>
+            </a:r>
+          </a:p>
+          <a:p>
+            <a:pPr marL="0" indent="0">
+              <a:buNone/>
+            </a:pPr>
+            <a:endParaRPr lang="en-US" sz="1800" dirty="0">
+              <a:latin typeface="Courier" pitchFamily="2" charset="0"/>
+            </a:endParaRPr>
+          </a:p>
+          <a:p>
+            <a:pPr marL="0" indent="0">
+              <a:buNone/>
+            </a:pPr>
+            <a:endParaRPr lang="en-US" dirty="0"/>
+          </a:p>
+          <a:p>
+            <a:pPr marL="0" indent="0">
+              <a:buNone/>
+            </a:pPr>
+            <a:endParaRPr lang="en-US" dirty="0"/>
+          </a:p>
+          <a:p>
+            <a:pPr marL="0" indent="0">
+              <a:buNone/>
+            </a:pPr>
+            <a:endParaRPr lang="en-VN" dirty="0"/>
+          </a:p>
+          <a:p>
+            <a:pPr marL="0" indent="0">
+              <a:buNone/>
+            </a:pPr>
+            <a:endParaRPr lang="en-VN" dirty="0"/>
+          </a:p>
+        </p:txBody>
+      </p:sp>
+      <p:sp>
+        <p:nvSpPr>
+          <p:cNvPr id="4" name="Footer Placeholder 3">
+            <a:extLst>
+              <a:ext uri="{FF2B5EF4-FFF2-40B4-BE49-F238E27FC236}">
+                <a16:creationId xmlns:a16="http://schemas.microsoft.com/office/drawing/2014/main" id="{60634361-1D03-F74C-9380-A524B5D8C13E}"/>
+              </a:ext>
+            </a:extLst>
+          </p:cNvPr>
+          <p:cNvSpPr>
+            <a:spLocks noGrp="1"/>
+          </p:cNvSpPr>
+          <p:nvPr>
+            <p:ph type="ftr" sz="quarter" idx="10"/>
+          </p:nvPr>
+        </p:nvSpPr>
+        <p:spPr/>
+        <p:txBody>
+          <a:bodyPr/>
+          <a:lstStyle/>
+          <a:p>
+            <a:r>
+              <a:rPr lang="en-US"/>
+              <a:t>Lecture 6: Polymorphism</a:t>
+            </a:r>
+            <a:endParaRPr lang="en-US" dirty="0"/>
+          </a:p>
+        </p:txBody>
+      </p:sp>
+      <p:sp>
+        <p:nvSpPr>
+          <p:cNvPr id="5" name="Date Placeholder 4">
+            <a:extLst>
+              <a:ext uri="{FF2B5EF4-FFF2-40B4-BE49-F238E27FC236}">
+                <a16:creationId xmlns:a16="http://schemas.microsoft.com/office/drawing/2014/main" id="{9D31F2DD-2D46-6D49-A2C3-F07C3424BF94}"/>
+              </a:ext>
+            </a:extLst>
+          </p:cNvPr>
+          <p:cNvSpPr>
+            <a:spLocks noGrp="1"/>
+          </p:cNvSpPr>
+          <p:nvPr>
+            <p:ph type="dt" sz="half" idx="11"/>
+          </p:nvPr>
+        </p:nvSpPr>
+        <p:spPr/>
+        <p:txBody>
+          <a:bodyPr/>
+          <a:lstStyle/>
+          <a:p>
+            <a:r>
+              <a:rPr lang="mr-IN"/>
+              <a:t>17/10/2020</a:t>
+            </a:r>
+            <a:endParaRPr lang="en-US" dirty="0"/>
+          </a:p>
+        </p:txBody>
+      </p:sp>
+      <p:sp>
+        <p:nvSpPr>
+          <p:cNvPr id="6" name="Slide Number Placeholder 5">
+            <a:extLst>
+              <a:ext uri="{FF2B5EF4-FFF2-40B4-BE49-F238E27FC236}">
+                <a16:creationId xmlns:a16="http://schemas.microsoft.com/office/drawing/2014/main" id="{9FA3009D-010F-2E42-9370-1590CBDD759D}"/>
+              </a:ext>
+            </a:extLst>
+          </p:cNvPr>
+          <p:cNvSpPr>
+            <a:spLocks noGrp="1"/>
+          </p:cNvSpPr>
+          <p:nvPr>
+            <p:ph type="sldNum" sz="quarter" idx="12"/>
+          </p:nvPr>
+        </p:nvSpPr>
+        <p:spPr/>
+        <p:txBody>
+          <a:bodyPr/>
+          <a:lstStyle/>
+          <a:p>
+            <a:fld id="{1D5CD492-2BC6-F348-9965-EC1D86DF57A8}" type="slidenum">
+              <a:rPr lang="en-US" smtClean="0"/>
+              <a:t>9</a:t>
+            </a:fld>
+            <a:endParaRPr lang="en-US"/>
+          </a:p>
+        </p:txBody>
+      </p:sp>
+    </p:spTree>
+    <p:extLst>
+      <p:ext uri="{BB962C8B-B14F-4D97-AF65-F5344CB8AC3E}">
+        <p14:creationId xmlns:p14="http://schemas.microsoft.com/office/powerpoint/2010/main" val="3099800643"/>
       </p:ext>
     </p:extLst>
   </p:cSld>
